--- a/obhj.pptx
+++ b/obhj.pptx
@@ -15434,7 +15434,7 @@
             </a:pPr>
             <a:r>
               <a:rPr lang="sk-SK" dirty="0"/>
-              <a:t>Stála záťaž v rámci domu + variabilná</a:t>
+              <a:t>Batéria s veľkou kapacitou v tomto prípade funguje aj ako úložisko prebytočnej energie, ktorú ak je to potrebné presúvame do domu</a:t>
             </a:r>
           </a:p>
           <a:p>
@@ -15444,7 +15444,7 @@
             </a:pPr>
             <a:r>
               <a:rPr lang="sk-SK" dirty="0"/>
-              <a:t>Ako batéria v tomto prípade figuruje samotná batéria elektromobilu</a:t>
+              <a:t>Stála záťaž v rámci domu + variabilná</a:t>
             </a:r>
           </a:p>
           <a:p>
@@ -15461,7 +15461,7 @@
             </a:pPr>
             <a:r>
               <a:rPr lang="sk-SK" dirty="0"/>
-              <a:t>Kratší čas simulácie</a:t>
+              <a:t>Kratšia doba simulácie</a:t>
             </a:r>
           </a:p>
           <a:p>
